--- a/misc/SeapodymCohorts.pptx
+++ b/misc/SeapodymCohorts.pptx
@@ -104,6 +104,11 @@
       </a:defRPr>
     </a:lvl9pPr>
   </p:defaultTextStyle>
+  <p:extLst>
+    <p:ext uri="{EFAFB233-063F-42B5-8137-9DF3F51BA10A}">
+      <p15:sldGuideLst xmlns:p15="http://schemas.microsoft.com/office/powerpoint/2012/main"/>
+    </p:ext>
+  </p:extLst>
 </p:presentation>
 </file>
 
@@ -256,7 +261,7 @@
           <a:p>
             <a:fld id="{110352D6-34EF-4681-AD1C-9E2CDE0518DB}" type="datetimeFigureOut">
               <a:rPr lang="en-NZ" smtClean="0"/>
-              <a:t>22/05/2025</a:t>
+              <a:t>27/05/2025</a:t>
             </a:fld>
             <a:endParaRPr lang="en-NZ"/>
           </a:p>
@@ -456,7 +461,7 @@
           <a:p>
             <a:fld id="{110352D6-34EF-4681-AD1C-9E2CDE0518DB}" type="datetimeFigureOut">
               <a:rPr lang="en-NZ" smtClean="0"/>
-              <a:t>22/05/2025</a:t>
+              <a:t>27/05/2025</a:t>
             </a:fld>
             <a:endParaRPr lang="en-NZ"/>
           </a:p>
@@ -666,7 +671,7 @@
           <a:p>
             <a:fld id="{110352D6-34EF-4681-AD1C-9E2CDE0518DB}" type="datetimeFigureOut">
               <a:rPr lang="en-NZ" smtClean="0"/>
-              <a:t>22/05/2025</a:t>
+              <a:t>27/05/2025</a:t>
             </a:fld>
             <a:endParaRPr lang="en-NZ"/>
           </a:p>
@@ -866,7 +871,7 @@
           <a:p>
             <a:fld id="{110352D6-34EF-4681-AD1C-9E2CDE0518DB}" type="datetimeFigureOut">
               <a:rPr lang="en-NZ" smtClean="0"/>
-              <a:t>22/05/2025</a:t>
+              <a:t>27/05/2025</a:t>
             </a:fld>
             <a:endParaRPr lang="en-NZ"/>
           </a:p>
@@ -1142,7 +1147,7 @@
           <a:p>
             <a:fld id="{110352D6-34EF-4681-AD1C-9E2CDE0518DB}" type="datetimeFigureOut">
               <a:rPr lang="en-NZ" smtClean="0"/>
-              <a:t>22/05/2025</a:t>
+              <a:t>27/05/2025</a:t>
             </a:fld>
             <a:endParaRPr lang="en-NZ"/>
           </a:p>
@@ -1410,7 +1415,7 @@
           <a:p>
             <a:fld id="{110352D6-34EF-4681-AD1C-9E2CDE0518DB}" type="datetimeFigureOut">
               <a:rPr lang="en-NZ" smtClean="0"/>
-              <a:t>22/05/2025</a:t>
+              <a:t>27/05/2025</a:t>
             </a:fld>
             <a:endParaRPr lang="en-NZ"/>
           </a:p>
@@ -1825,7 +1830,7 @@
           <a:p>
             <a:fld id="{110352D6-34EF-4681-AD1C-9E2CDE0518DB}" type="datetimeFigureOut">
               <a:rPr lang="en-NZ" smtClean="0"/>
-              <a:t>22/05/2025</a:t>
+              <a:t>27/05/2025</a:t>
             </a:fld>
             <a:endParaRPr lang="en-NZ"/>
           </a:p>
@@ -1967,7 +1972,7 @@
           <a:p>
             <a:fld id="{110352D6-34EF-4681-AD1C-9E2CDE0518DB}" type="datetimeFigureOut">
               <a:rPr lang="en-NZ" smtClean="0"/>
-              <a:t>22/05/2025</a:t>
+              <a:t>27/05/2025</a:t>
             </a:fld>
             <a:endParaRPr lang="en-NZ"/>
           </a:p>
@@ -2080,7 +2085,7 @@
           <a:p>
             <a:fld id="{110352D6-34EF-4681-AD1C-9E2CDE0518DB}" type="datetimeFigureOut">
               <a:rPr lang="en-NZ" smtClean="0"/>
-              <a:t>22/05/2025</a:t>
+              <a:t>27/05/2025</a:t>
             </a:fld>
             <a:endParaRPr lang="en-NZ"/>
           </a:p>
@@ -2393,7 +2398,7 @@
           <a:p>
             <a:fld id="{110352D6-34EF-4681-AD1C-9E2CDE0518DB}" type="datetimeFigureOut">
               <a:rPr lang="en-NZ" smtClean="0"/>
-              <a:t>22/05/2025</a:t>
+              <a:t>27/05/2025</a:t>
             </a:fld>
             <a:endParaRPr lang="en-NZ"/>
           </a:p>
@@ -2682,7 +2687,7 @@
           <a:p>
             <a:fld id="{110352D6-34EF-4681-AD1C-9E2CDE0518DB}" type="datetimeFigureOut">
               <a:rPr lang="en-NZ" smtClean="0"/>
-              <a:t>22/05/2025</a:t>
+              <a:t>27/05/2025</a:t>
             </a:fld>
             <a:endParaRPr lang="en-NZ"/>
           </a:p>
@@ -2925,7 +2930,7 @@
           <a:p>
             <a:fld id="{110352D6-34EF-4681-AD1C-9E2CDE0518DB}" type="datetimeFigureOut">
               <a:rPr lang="en-NZ" smtClean="0"/>
-              <a:t>22/05/2025</a:t>
+              <a:t>27/05/2025</a:t>
             </a:fld>
             <a:endParaRPr lang="en-NZ"/>
           </a:p>
@@ -3470,8 +3475,8 @@
         </p:nvSpPr>
         <p:spPr>
           <a:xfrm>
-            <a:off x="2290760" y="1981200"/>
-            <a:ext cx="1514475" cy="676262"/>
+            <a:off x="2290761" y="1981200"/>
+            <a:ext cx="1485500" cy="442900"/>
           </a:xfrm>
           <a:prstGeom prst="rect">
             <a:avLst/>
@@ -3518,7 +3523,7 @@
         <p:spPr>
           <a:xfrm>
             <a:off x="4283869" y="733425"/>
-            <a:ext cx="1514475" cy="676262"/>
+            <a:ext cx="1470021" cy="442900"/>
           </a:xfrm>
           <a:prstGeom prst="rect">
             <a:avLst/>
@@ -3565,7 +3570,7 @@
         <p:spPr>
           <a:xfrm>
             <a:off x="6281739" y="733425"/>
-            <a:ext cx="1514475" cy="676262"/>
+            <a:ext cx="1462879" cy="454974"/>
           </a:xfrm>
           <a:prstGeom prst="rect">
             <a:avLst/>
@@ -3612,7 +3617,7 @@
         <p:spPr>
           <a:xfrm>
             <a:off x="4286250" y="1981200"/>
-            <a:ext cx="1514475" cy="676262"/>
+            <a:ext cx="1443697" cy="442900"/>
           </a:xfrm>
           <a:prstGeom prst="rect">
             <a:avLst/>
@@ -3658,8 +3663,8 @@
         </p:nvSpPr>
         <p:spPr>
           <a:xfrm>
-            <a:off x="2285999" y="733425"/>
-            <a:ext cx="1514475" cy="676262"/>
+            <a:off x="2286000" y="733425"/>
+            <a:ext cx="1514474" cy="442900"/>
           </a:xfrm>
           <a:prstGeom prst="rect">
             <a:avLst/>
@@ -3706,7 +3711,7 @@
         <p:spPr>
           <a:xfrm>
             <a:off x="6281739" y="1981200"/>
-            <a:ext cx="1514475" cy="676262"/>
+            <a:ext cx="1425571" cy="418486"/>
           </a:xfrm>
           <a:prstGeom prst="rect">
             <a:avLst/>
@@ -3752,8 +3757,8 @@
         </p:nvSpPr>
         <p:spPr>
           <a:xfrm>
-            <a:off x="8277228" y="1981200"/>
-            <a:ext cx="1514475" cy="676262"/>
+            <a:off x="8277229" y="1981200"/>
+            <a:ext cx="1509714" cy="418485"/>
           </a:xfrm>
           <a:prstGeom prst="rect">
             <a:avLst/>
@@ -3799,8 +3804,8 @@
         </p:nvSpPr>
         <p:spPr>
           <a:xfrm>
-            <a:off x="2290760" y="3228975"/>
-            <a:ext cx="1514475" cy="676262"/>
+            <a:off x="2290761" y="3228975"/>
+            <a:ext cx="1509714" cy="442900"/>
           </a:xfrm>
           <a:prstGeom prst="rect">
             <a:avLst/>
@@ -3846,8 +3851,8 @@
         </p:nvSpPr>
         <p:spPr>
           <a:xfrm>
-            <a:off x="4286250" y="3228975"/>
-            <a:ext cx="1514475" cy="676262"/>
+            <a:off x="4286251" y="3228975"/>
+            <a:ext cx="1467640" cy="474646"/>
           </a:xfrm>
           <a:prstGeom prst="rect">
             <a:avLst/>
@@ -3894,7 +3899,7 @@
         <p:spPr>
           <a:xfrm>
             <a:off x="6281739" y="3228975"/>
-            <a:ext cx="1514475" cy="676262"/>
+            <a:ext cx="1425571" cy="474646"/>
           </a:xfrm>
           <a:prstGeom prst="rect">
             <a:avLst/>
@@ -3940,8 +3945,8 @@
         </p:nvSpPr>
         <p:spPr>
           <a:xfrm>
-            <a:off x="8277228" y="3228975"/>
-            <a:ext cx="1514475" cy="676262"/>
+            <a:off x="8277229" y="3228975"/>
+            <a:ext cx="1458120" cy="474646"/>
           </a:xfrm>
           <a:prstGeom prst="rect">
             <a:avLst/>
@@ -3987,8 +3992,8 @@
         </p:nvSpPr>
         <p:spPr>
           <a:xfrm>
-            <a:off x="2307429" y="4476750"/>
-            <a:ext cx="1514475" cy="676262"/>
+            <a:off x="2307430" y="4476750"/>
+            <a:ext cx="1509714" cy="442900"/>
           </a:xfrm>
           <a:prstGeom prst="rect">
             <a:avLst/>
@@ -4034,8 +4039,8 @@
         </p:nvSpPr>
         <p:spPr>
           <a:xfrm>
-            <a:off x="4302919" y="4476750"/>
-            <a:ext cx="1514475" cy="676262"/>
+            <a:off x="4302920" y="4476750"/>
+            <a:ext cx="1509714" cy="442900"/>
           </a:xfrm>
           <a:prstGeom prst="rect">
             <a:avLst/>
@@ -4082,7 +4087,7 @@
         <p:spPr>
           <a:xfrm>
             <a:off x="6298408" y="4476750"/>
-            <a:ext cx="1514475" cy="676262"/>
+            <a:ext cx="1493045" cy="437804"/>
           </a:xfrm>
           <a:prstGeom prst="rect">
             <a:avLst/>
@@ -4129,7 +4134,7 @@
         <p:spPr>
           <a:xfrm>
             <a:off x="8293897" y="4476750"/>
-            <a:ext cx="1514475" cy="676262"/>
+            <a:ext cx="1458121" cy="425665"/>
           </a:xfrm>
           <a:prstGeom prst="rect">
             <a:avLst/>
@@ -4175,7 +4180,7 @@
         </p:nvSpPr>
         <p:spPr>
           <a:xfrm>
-            <a:off x="2841097" y="779169"/>
+            <a:off x="2846523" y="645491"/>
             <a:ext cx="431528" cy="646331"/>
           </a:xfrm>
           <a:prstGeom prst="rect">
@@ -4211,7 +4216,7 @@
         </p:nvSpPr>
         <p:spPr>
           <a:xfrm>
-            <a:off x="2862527" y="2053650"/>
+            <a:off x="2862527" y="1898143"/>
             <a:ext cx="431528" cy="646331"/>
           </a:xfrm>
           <a:prstGeom prst="rect">
@@ -4247,7 +4252,7 @@
         </p:nvSpPr>
         <p:spPr>
           <a:xfrm>
-            <a:off x="2862527" y="3313831"/>
+            <a:off x="2862527" y="3132279"/>
             <a:ext cx="431528" cy="646331"/>
           </a:xfrm>
           <a:prstGeom prst="rect">
@@ -4283,7 +4288,7 @@
         </p:nvSpPr>
         <p:spPr>
           <a:xfrm>
-            <a:off x="4838967" y="779169"/>
+            <a:off x="4814428" y="662282"/>
             <a:ext cx="431528" cy="646331"/>
           </a:xfrm>
           <a:prstGeom prst="rect">
@@ -4319,7 +4324,7 @@
         </p:nvSpPr>
         <p:spPr>
           <a:xfrm>
-            <a:off x="4825870" y="2026943"/>
+            <a:off x="4813831" y="1886585"/>
             <a:ext cx="431528" cy="646331"/>
           </a:xfrm>
           <a:prstGeom prst="rect">
@@ -4355,7 +4360,7 @@
         </p:nvSpPr>
         <p:spPr>
           <a:xfrm>
-            <a:off x="6836837" y="779169"/>
+            <a:off x="6849183" y="650537"/>
             <a:ext cx="431528" cy="646331"/>
           </a:xfrm>
           <a:prstGeom prst="rect">
@@ -4391,7 +4396,7 @@
         </p:nvSpPr>
         <p:spPr>
           <a:xfrm>
-            <a:off x="6854696" y="2052703"/>
+            <a:off x="6846862" y="1861407"/>
             <a:ext cx="431528" cy="646331"/>
           </a:xfrm>
           <a:prstGeom prst="rect">
@@ -4427,7 +4432,7 @@
         </p:nvSpPr>
         <p:spPr>
           <a:xfrm>
-            <a:off x="4844392" y="3283052"/>
+            <a:off x="4821448" y="3140134"/>
             <a:ext cx="431528" cy="646331"/>
           </a:xfrm>
           <a:prstGeom prst="rect">
@@ -4463,7 +4468,7 @@
         </p:nvSpPr>
         <p:spPr>
           <a:xfrm>
-            <a:off x="4814428" y="4500896"/>
+            <a:off x="4814428" y="4366416"/>
             <a:ext cx="431528" cy="646331"/>
           </a:xfrm>
           <a:prstGeom prst="rect">
@@ -4499,7 +4504,7 @@
         </p:nvSpPr>
         <p:spPr>
           <a:xfrm>
-            <a:off x="2872447" y="4481846"/>
+            <a:off x="2872447" y="4366415"/>
             <a:ext cx="394358" cy="646331"/>
           </a:xfrm>
           <a:prstGeom prst="rect">
@@ -4535,7 +4540,7 @@
         </p:nvSpPr>
         <p:spPr>
           <a:xfrm>
-            <a:off x="6844445" y="3258906"/>
+            <a:off x="6845673" y="3152764"/>
             <a:ext cx="431528" cy="646331"/>
           </a:xfrm>
           <a:prstGeom prst="rect">
@@ -4571,7 +4576,7 @@
         </p:nvSpPr>
         <p:spPr>
           <a:xfrm>
-            <a:off x="6827446" y="4500896"/>
+            <a:off x="6827502" y="4383929"/>
             <a:ext cx="431528" cy="646331"/>
           </a:xfrm>
           <a:prstGeom prst="rect">
@@ -4607,8 +4612,8 @@
         </p:nvSpPr>
         <p:spPr>
           <a:xfrm>
-            <a:off x="8749642" y="2026943"/>
-            <a:ext cx="678391" cy="646331"/>
+            <a:off x="8744880" y="1872296"/>
+            <a:ext cx="704039" cy="646331"/>
           </a:xfrm>
           <a:prstGeom prst="rect">
             <a:avLst/>
@@ -4623,7 +4628,7 @@
           <a:p>
             <a:r>
               <a:rPr lang="en-US" sz="3600" dirty="0"/>
-              <a:t>2+</a:t>
+              <a:t>A+</a:t>
             </a:r>
             <a:endParaRPr lang="en-NZ" sz="3600" dirty="0"/>
           </a:p>
@@ -4643,8 +4648,8 @@
         </p:nvSpPr>
         <p:spPr>
           <a:xfrm>
-            <a:off x="8722390" y="3228975"/>
-            <a:ext cx="678391" cy="646331"/>
+            <a:off x="8722390" y="3143132"/>
+            <a:ext cx="704039" cy="646331"/>
           </a:xfrm>
           <a:prstGeom prst="rect">
             <a:avLst/>
@@ -4659,7 +4664,7 @@
           <a:p>
             <a:r>
               <a:rPr lang="en-US" sz="3600" dirty="0"/>
-              <a:t>1+</a:t>
+              <a:t>A+</a:t>
             </a:r>
             <a:endParaRPr lang="en-NZ" sz="3600" dirty="0"/>
           </a:p>
@@ -4679,8 +4684,8 @@
         </p:nvSpPr>
         <p:spPr>
           <a:xfrm>
-            <a:off x="8749642" y="4500896"/>
-            <a:ext cx="678391" cy="646331"/>
+            <a:off x="8744881" y="4383929"/>
+            <a:ext cx="704039" cy="646331"/>
           </a:xfrm>
           <a:prstGeom prst="rect">
             <a:avLst/>
@@ -4695,7 +4700,7 @@
           <a:p>
             <a:r>
               <a:rPr lang="en-US" sz="3600" dirty="0"/>
-              <a:t>0+</a:t>
+              <a:t>A+</a:t>
             </a:r>
             <a:endParaRPr lang="en-NZ" sz="3600" dirty="0"/>
           </a:p>
@@ -4715,8 +4720,8 @@
         </p:nvSpPr>
         <p:spPr>
           <a:xfrm>
-            <a:off x="2285999" y="5669600"/>
-            <a:ext cx="1514475" cy="676262"/>
+            <a:off x="2286000" y="5669600"/>
+            <a:ext cx="1509714" cy="442900"/>
           </a:xfrm>
           <a:prstGeom prst="rect">
             <a:avLst/>
@@ -4763,7 +4768,7 @@
         <p:spPr>
           <a:xfrm>
             <a:off x="4281489" y="5669600"/>
-            <a:ext cx="1514475" cy="676262"/>
+            <a:ext cx="1472401" cy="442900"/>
           </a:xfrm>
           <a:prstGeom prst="rect">
             <a:avLst/>
@@ -4809,8 +4814,8 @@
         </p:nvSpPr>
         <p:spPr>
           <a:xfrm>
-            <a:off x="6276978" y="5669600"/>
-            <a:ext cx="1514475" cy="676262"/>
+            <a:off x="6276979" y="5669600"/>
+            <a:ext cx="1503902" cy="442900"/>
           </a:xfrm>
           <a:prstGeom prst="rect">
             <a:avLst/>
@@ -4857,7 +4862,7 @@
         <p:spPr>
           <a:xfrm>
             <a:off x="8272467" y="5669600"/>
-            <a:ext cx="1514475" cy="676262"/>
+            <a:ext cx="1495293" cy="462881"/>
           </a:xfrm>
           <a:prstGeom prst="rect">
             <a:avLst/>
@@ -4903,7 +4908,7 @@
         </p:nvSpPr>
         <p:spPr>
           <a:xfrm>
-            <a:off x="4792998" y="5693746"/>
+            <a:off x="4792334" y="5592698"/>
             <a:ext cx="431528" cy="646331"/>
           </a:xfrm>
           <a:prstGeom prst="rect">
@@ -4939,7 +4944,7 @@
         </p:nvSpPr>
         <p:spPr>
           <a:xfrm>
-            <a:off x="2851017" y="5674696"/>
+            <a:off x="2872447" y="5577874"/>
             <a:ext cx="394358" cy="646331"/>
           </a:xfrm>
           <a:prstGeom prst="rect">
@@ -4975,7 +4980,7 @@
         </p:nvSpPr>
         <p:spPr>
           <a:xfrm>
-            <a:off x="6806016" y="5693746"/>
+            <a:off x="6831110" y="5582944"/>
             <a:ext cx="431528" cy="646331"/>
           </a:xfrm>
           <a:prstGeom prst="rect">
@@ -5011,8 +5016,8 @@
         </p:nvSpPr>
         <p:spPr>
           <a:xfrm>
-            <a:off x="8728212" y="5693746"/>
-            <a:ext cx="678391" cy="646331"/>
+            <a:off x="8722390" y="5577874"/>
+            <a:ext cx="704039" cy="646331"/>
           </a:xfrm>
           <a:prstGeom prst="rect">
             <a:avLst/>
@@ -5027,7 +5032,7 @@
           <a:p>
             <a:r>
               <a:rPr lang="en-US" sz="3600" dirty="0"/>
-              <a:t>3+</a:t>
+              <a:t>A+</a:t>
             </a:r>
             <a:endParaRPr lang="en-NZ" sz="3600" dirty="0"/>
           </a:p>
@@ -5047,7 +5052,7 @@
         </p:nvSpPr>
         <p:spPr>
           <a:xfrm>
-            <a:off x="1141544" y="6223159"/>
+            <a:off x="1119863" y="6191973"/>
             <a:ext cx="6096000" cy="523220"/>
           </a:xfrm>
           <a:prstGeom prst="rect">
@@ -5069,30 +5074,116 @@
           </a:p>
         </p:txBody>
       </p:sp>
+      <p:sp>
+        <p:nvSpPr>
+          <p:cNvPr id="110" name="Rectangle 109">
+            <a:extLst>
+              <a:ext uri="{FF2B5EF4-FFF2-40B4-BE49-F238E27FC236}">
+                <a16:creationId xmlns:a16="http://schemas.microsoft.com/office/drawing/2014/main" id="{B978F33F-96AD-E6A3-BE63-2800C0EBABB0}"/>
+              </a:ext>
+            </a:extLst>
+          </p:cNvPr>
+          <p:cNvSpPr/>
+          <p:nvPr/>
+        </p:nvSpPr>
+        <p:spPr>
+          <a:xfrm>
+            <a:off x="8272468" y="725519"/>
+            <a:ext cx="1462880" cy="462878"/>
+          </a:xfrm>
+          <a:prstGeom prst="rect">
+            <a:avLst/>
+          </a:prstGeom>
+          <a:noFill/>
+        </p:spPr>
+        <p:style>
+          <a:lnRef idx="2">
+            <a:schemeClr val="accent1">
+              <a:shade val="15000"/>
+            </a:schemeClr>
+          </a:lnRef>
+          <a:fillRef idx="1">
+            <a:schemeClr val="accent1"/>
+          </a:fillRef>
+          <a:effectRef idx="0">
+            <a:schemeClr val="accent1"/>
+          </a:effectRef>
+          <a:fontRef idx="minor">
+            <a:schemeClr val="lt1"/>
+          </a:fontRef>
+        </p:style>
+        <p:txBody>
+          <a:bodyPr rtlCol="0" anchor="ctr"/>
+          <a:lstStyle/>
+          <a:p>
+            <a:pPr algn="ctr"/>
+            <a:endParaRPr lang="en-NZ"/>
+          </a:p>
+        </p:txBody>
+      </p:sp>
+      <p:sp>
+        <p:nvSpPr>
+          <p:cNvPr id="111" name="TextBox 110">
+            <a:extLst>
+              <a:ext uri="{FF2B5EF4-FFF2-40B4-BE49-F238E27FC236}">
+                <a16:creationId xmlns:a16="http://schemas.microsoft.com/office/drawing/2014/main" id="{27542E44-F4C6-E2D3-3CF6-B7BFDF970B24}"/>
+              </a:ext>
+            </a:extLst>
+          </p:cNvPr>
+          <p:cNvSpPr txBox="1"/>
+          <p:nvPr/>
+        </p:nvSpPr>
+        <p:spPr>
+          <a:xfrm>
+            <a:off x="8744880" y="627434"/>
+            <a:ext cx="704039" cy="646331"/>
+          </a:xfrm>
+          <a:prstGeom prst="rect">
+            <a:avLst/>
+          </a:prstGeom>
+          <a:noFill/>
+        </p:spPr>
+        <p:txBody>
+          <a:bodyPr wrap="none" rtlCol="0">
+            <a:spAutoFit/>
+          </a:bodyPr>
+          <a:lstStyle/>
+          <a:p>
+            <a:r>
+              <a:rPr lang="en-US" sz="3600" dirty="0"/>
+              <a:t>A+</a:t>
+            </a:r>
+            <a:endParaRPr lang="en-NZ" sz="3600" dirty="0"/>
+          </a:p>
+        </p:txBody>
+      </p:sp>
       <p:cxnSp>
         <p:nvCxnSpPr>
-          <p:cNvPr id="75" name="Connector: Elbow 74">
-            <a:extLst>
-              <a:ext uri="{FF2B5EF4-FFF2-40B4-BE49-F238E27FC236}">
-                <a16:creationId xmlns:a16="http://schemas.microsoft.com/office/drawing/2014/main" id="{E6726CF8-A8C1-A9F0-F664-437F0BD32BAF}"/>
+          <p:cNvPr id="125" name="Connector: Elbow 124">
+            <a:extLst>
+              <a:ext uri="{FF2B5EF4-FFF2-40B4-BE49-F238E27FC236}">
+                <a16:creationId xmlns:a16="http://schemas.microsoft.com/office/drawing/2014/main" id="{9EAEA291-5F8D-A0BA-0D97-0E0AC0221603}"/>
               </a:ext>
             </a:extLst>
           </p:cNvPr>
           <p:cNvCxnSpPr>
             <a:stCxn id="24" idx="2"/>
-            <a:endCxn id="14" idx="0"/>
+            <a:endCxn id="31" idx="0"/>
           </p:cNvCxnSpPr>
           <p:nvPr/>
         </p:nvCxnSpPr>
         <p:spPr>
           <a:xfrm rot="16200000" flipH="1">
-            <a:off x="4770069" y="-287708"/>
-            <a:ext cx="555700" cy="3982116"/>
+            <a:off x="4777664" y="-423556"/>
+            <a:ext cx="569585" cy="4000339"/>
           </a:xfrm>
           <a:prstGeom prst="bentConnector3">
             <a:avLst/>
           </a:prstGeom>
           <a:ln>
+            <a:solidFill>
+              <a:srgbClr val="FF0000"/>
+            </a:solidFill>
             <a:tailEnd type="triangle"/>
           </a:ln>
         </p:spPr>
@@ -5113,28 +5204,34 @@
       </p:cxnSp>
       <p:cxnSp>
         <p:nvCxnSpPr>
-          <p:cNvPr id="77" name="Connector: Elbow 76">
-            <a:extLst>
-              <a:ext uri="{FF2B5EF4-FFF2-40B4-BE49-F238E27FC236}">
-                <a16:creationId xmlns:a16="http://schemas.microsoft.com/office/drawing/2014/main" id="{A20BC3B6-CEE5-BFD2-5A1E-293D71E3BFD7}"/>
+          <p:cNvPr id="126" name="Connector: Elbow 125">
+            <a:extLst>
+              <a:ext uri="{FF2B5EF4-FFF2-40B4-BE49-F238E27FC236}">
+                <a16:creationId xmlns:a16="http://schemas.microsoft.com/office/drawing/2014/main" id="{5B51F7F5-8BC3-0E11-C905-BE9D1872464F}"/>
               </a:ext>
             </a:extLst>
           </p:cNvPr>
           <p:cNvCxnSpPr>
+            <a:cxnSpLocks/>
             <a:stCxn id="27" idx="2"/>
-            <a:endCxn id="14" idx="0"/>
+            <a:endCxn id="31" idx="0"/>
           </p:cNvCxnSpPr>
           <p:nvPr/>
         </p:nvCxnSpPr>
         <p:spPr>
           <a:xfrm rot="16200000" flipH="1">
-            <a:off x="5769004" y="711227"/>
-            <a:ext cx="555700" cy="1984246"/>
+            <a:off x="5770012" y="568793"/>
+            <a:ext cx="552794" cy="2032434"/>
           </a:xfrm>
           <a:prstGeom prst="bentConnector3">
-            <a:avLst/>
+            <a:avLst>
+              <a:gd name="adj1" fmla="val 50000"/>
+            </a:avLst>
           </a:prstGeom>
           <a:ln>
+            <a:solidFill>
+              <a:srgbClr val="FF0000"/>
+            </a:solidFill>
             <a:tailEnd type="triangle"/>
           </a:ln>
         </p:spPr>
@@ -5155,27 +5252,31 @@
       </p:cxnSp>
       <p:cxnSp>
         <p:nvCxnSpPr>
-          <p:cNvPr id="79" name="Connector: Elbow 78">
-            <a:extLst>
-              <a:ext uri="{FF2B5EF4-FFF2-40B4-BE49-F238E27FC236}">
-                <a16:creationId xmlns:a16="http://schemas.microsoft.com/office/drawing/2014/main" id="{A080F8D5-A70F-0E48-D49D-B72B57363C96}"/>
+          <p:cNvPr id="132" name="Connector: Elbow 131">
+            <a:extLst>
+              <a:ext uri="{FF2B5EF4-FFF2-40B4-BE49-F238E27FC236}">
+                <a16:creationId xmlns:a16="http://schemas.microsoft.com/office/drawing/2014/main" id="{C71E7109-43DC-D6C7-B639-F7CC7A8AFF9A}"/>
               </a:ext>
             </a:extLst>
           </p:cNvPr>
           <p:cNvCxnSpPr>
-            <a:cxnSpLocks/>
+            <a:stCxn id="111" idx="2"/>
+            <a:endCxn id="31" idx="0"/>
           </p:cNvCxnSpPr>
           <p:nvPr/>
         </p:nvCxnSpPr>
         <p:spPr>
-          <a:xfrm rot="16200000" flipH="1">
-            <a:off x="7921071" y="708103"/>
-            <a:ext cx="601443" cy="2036237"/>
+          <a:xfrm rot="5400000">
+            <a:off x="7785942" y="550449"/>
+            <a:ext cx="587642" cy="2034274"/>
           </a:xfrm>
           <a:prstGeom prst="bentConnector3">
             <a:avLst/>
           </a:prstGeom>
           <a:ln>
+            <a:solidFill>
+              <a:srgbClr val="FF0000"/>
+            </a:solidFill>
             <a:tailEnd type="triangle"/>
           </a:ln>
         </p:spPr>
@@ -5196,28 +5297,31 @@
       </p:cxnSp>
       <p:cxnSp>
         <p:nvCxnSpPr>
-          <p:cNvPr id="81" name="Connector: Elbow 80">
-            <a:extLst>
-              <a:ext uri="{FF2B5EF4-FFF2-40B4-BE49-F238E27FC236}">
-                <a16:creationId xmlns:a16="http://schemas.microsoft.com/office/drawing/2014/main" id="{7B774243-CC8C-5EED-456D-38E36FAC31F8}"/>
+          <p:cNvPr id="134" name="Connector: Elbow 133">
+            <a:extLst>
+              <a:ext uri="{FF2B5EF4-FFF2-40B4-BE49-F238E27FC236}">
+                <a16:creationId xmlns:a16="http://schemas.microsoft.com/office/drawing/2014/main" id="{CF266740-D361-AF3C-6C5C-1284B10A0F25}"/>
               </a:ext>
             </a:extLst>
           </p:cNvPr>
           <p:cNvCxnSpPr>
             <a:stCxn id="25" idx="2"/>
-            <a:endCxn id="17" idx="0"/>
+            <a:endCxn id="44" idx="0"/>
           </p:cNvCxnSpPr>
           <p:nvPr/>
         </p:nvCxnSpPr>
         <p:spPr>
           <a:xfrm rot="16200000" flipH="1">
-            <a:off x="3796392" y="1981879"/>
-            <a:ext cx="528994" cy="1965197"/>
+            <a:off x="3759921" y="1862843"/>
+            <a:ext cx="595660" cy="1958921"/>
           </a:xfrm>
           <a:prstGeom prst="bentConnector3">
             <a:avLst/>
           </a:prstGeom>
           <a:ln>
+            <a:solidFill>
+              <a:srgbClr val="FF0000"/>
+            </a:solidFill>
             <a:tailEnd type="triangle"/>
           </a:ln>
         </p:spPr>
@@ -5238,28 +5342,34 @@
       </p:cxnSp>
       <p:cxnSp>
         <p:nvCxnSpPr>
-          <p:cNvPr id="83" name="Connector: Elbow 82">
-            <a:extLst>
-              <a:ext uri="{FF2B5EF4-FFF2-40B4-BE49-F238E27FC236}">
-                <a16:creationId xmlns:a16="http://schemas.microsoft.com/office/drawing/2014/main" id="{462C8785-3DF8-932D-24A4-12385C1F3B10}"/>
+          <p:cNvPr id="135" name="Connector: Elbow 134">
+            <a:extLst>
+              <a:ext uri="{FF2B5EF4-FFF2-40B4-BE49-F238E27FC236}">
+                <a16:creationId xmlns:a16="http://schemas.microsoft.com/office/drawing/2014/main" id="{1B0507B9-4204-8916-0C2C-6C1FA7508212}"/>
               </a:ext>
             </a:extLst>
           </p:cNvPr>
           <p:cNvCxnSpPr>
+            <a:cxnSpLocks/>
             <a:stCxn id="31" idx="2"/>
-            <a:endCxn id="17" idx="0"/>
+            <a:endCxn id="44" idx="0"/>
           </p:cNvCxnSpPr>
           <p:nvPr/>
         </p:nvCxnSpPr>
         <p:spPr>
           <a:xfrm rot="5400000">
-            <a:off x="5792004" y="1950518"/>
-            <a:ext cx="529941" cy="2026972"/>
+            <a:off x="5733721" y="1811229"/>
+            <a:ext cx="632396" cy="2025414"/>
           </a:xfrm>
           <a:prstGeom prst="bentConnector3">
-            <a:avLst/>
+            <a:avLst>
+              <a:gd name="adj1" fmla="val 50000"/>
+            </a:avLst>
           </a:prstGeom>
           <a:ln>
+            <a:solidFill>
+              <a:srgbClr val="FF0000"/>
+            </a:solidFill>
             <a:tailEnd type="triangle"/>
           </a:ln>
         </p:spPr>
@@ -5280,28 +5390,34 @@
       </p:cxnSp>
       <p:cxnSp>
         <p:nvCxnSpPr>
-          <p:cNvPr id="85" name="Connector: Elbow 84">
-            <a:extLst>
-              <a:ext uri="{FF2B5EF4-FFF2-40B4-BE49-F238E27FC236}">
-                <a16:creationId xmlns:a16="http://schemas.microsoft.com/office/drawing/2014/main" id="{3AACEE24-FBFB-F75F-F22E-B6DEE57A5EAE}"/>
+          <p:cNvPr id="138" name="Connector: Elbow 137">
+            <a:extLst>
+              <a:ext uri="{FF2B5EF4-FFF2-40B4-BE49-F238E27FC236}">
+                <a16:creationId xmlns:a16="http://schemas.microsoft.com/office/drawing/2014/main" id="{5FE8DD21-9FE8-1188-7939-45A40FA0046B}"/>
               </a:ext>
             </a:extLst>
           </p:cNvPr>
           <p:cNvCxnSpPr>
-            <a:stCxn id="44" idx="2"/>
-            <a:endCxn id="46" idx="0"/>
+            <a:cxnSpLocks/>
+            <a:stCxn id="49" idx="2"/>
+            <a:endCxn id="44" idx="0"/>
           </p:cNvCxnSpPr>
           <p:nvPr/>
         </p:nvCxnSpPr>
         <p:spPr>
           <a:xfrm rot="5400000">
-            <a:off x="3788660" y="3210349"/>
-            <a:ext cx="552463" cy="1990530"/>
+            <a:off x="6756303" y="799536"/>
+            <a:ext cx="621507" cy="4059688"/>
           </a:xfrm>
           <a:prstGeom prst="bentConnector3">
-            <a:avLst/>
+            <a:avLst>
+              <a:gd name="adj1" fmla="val 50000"/>
+            </a:avLst>
           </a:prstGeom>
           <a:ln>
+            <a:solidFill>
+              <a:srgbClr val="FF0000"/>
+            </a:solidFill>
             <a:tailEnd type="triangle"/>
           </a:ln>
         </p:spPr>
@@ -5322,27 +5438,31 @@
       </p:cxnSp>
       <p:cxnSp>
         <p:nvCxnSpPr>
-          <p:cNvPr id="87" name="Connector: Elbow 86">
-            <a:extLst>
-              <a:ext uri="{FF2B5EF4-FFF2-40B4-BE49-F238E27FC236}">
-                <a16:creationId xmlns:a16="http://schemas.microsoft.com/office/drawing/2014/main" id="{F7BF1B7C-45F1-E587-2D9B-3F417C60B8C4}"/>
+          <p:cNvPr id="142" name="Connector: Elbow 141">
+            <a:extLst>
+              <a:ext uri="{FF2B5EF4-FFF2-40B4-BE49-F238E27FC236}">
+                <a16:creationId xmlns:a16="http://schemas.microsoft.com/office/drawing/2014/main" id="{979F4115-6EE9-DBA0-F71D-D3AA95D989B8}"/>
               </a:ext>
             </a:extLst>
           </p:cNvPr>
           <p:cNvCxnSpPr>
-            <a:cxnSpLocks/>
+            <a:stCxn id="44" idx="2"/>
+            <a:endCxn id="46" idx="0"/>
           </p:cNvCxnSpPr>
           <p:nvPr/>
         </p:nvCxnSpPr>
         <p:spPr>
           <a:xfrm rot="5400000">
-            <a:off x="4786932" y="2212273"/>
-            <a:ext cx="571513" cy="3995542"/>
+            <a:off x="3763444" y="3092647"/>
+            <a:ext cx="579950" cy="1967586"/>
           </a:xfrm>
           <a:prstGeom prst="bentConnector3">
             <a:avLst/>
           </a:prstGeom>
           <a:ln>
+            <a:solidFill>
+              <a:srgbClr val="FF0000"/>
+            </a:solidFill>
             <a:tailEnd type="triangle"/>
           </a:ln>
         </p:spPr>
@@ -5363,27 +5483,34 @@
       </p:cxnSp>
       <p:cxnSp>
         <p:nvCxnSpPr>
-          <p:cNvPr id="89" name="Connector: Elbow 88">
-            <a:extLst>
-              <a:ext uri="{FF2B5EF4-FFF2-40B4-BE49-F238E27FC236}">
-                <a16:creationId xmlns:a16="http://schemas.microsoft.com/office/drawing/2014/main" id="{16332945-7420-C0B3-5A8B-2C4A6C8C144D}"/>
+          <p:cNvPr id="143" name="Connector: Elbow 142">
+            <a:extLst>
+              <a:ext uri="{FF2B5EF4-FFF2-40B4-BE49-F238E27FC236}">
+                <a16:creationId xmlns:a16="http://schemas.microsoft.com/office/drawing/2014/main" id="{DE4C756E-B4D6-5028-67EC-0992D43DCF85}"/>
               </a:ext>
             </a:extLst>
           </p:cNvPr>
           <p:cNvCxnSpPr>
             <a:cxnSpLocks/>
+            <a:stCxn id="47" idx="2"/>
+            <a:endCxn id="46" idx="0"/>
           </p:cNvCxnSpPr>
           <p:nvPr/>
         </p:nvCxnSpPr>
         <p:spPr>
-          <a:xfrm rot="16200000" flipH="1">
-            <a:off x="4781209" y="3428667"/>
-            <a:ext cx="541423" cy="3964590"/>
+          <a:xfrm rot="5400000">
+            <a:off x="4781872" y="2086850"/>
+            <a:ext cx="567320" cy="3991811"/>
           </a:xfrm>
           <a:prstGeom prst="bentConnector3">
-            <a:avLst/>
+            <a:avLst>
+              <a:gd name="adj1" fmla="val 50000"/>
+            </a:avLst>
           </a:prstGeom>
           <a:ln>
+            <a:solidFill>
+              <a:srgbClr val="FF0000"/>
+            </a:solidFill>
             <a:tailEnd type="triangle"/>
           </a:ln>
         </p:spPr>
@@ -5404,28 +5531,34 @@
       </p:cxnSp>
       <p:cxnSp>
         <p:nvCxnSpPr>
-          <p:cNvPr id="91" name="Connector: Elbow 90">
-            <a:extLst>
-              <a:ext uri="{FF2B5EF4-FFF2-40B4-BE49-F238E27FC236}">
-                <a16:creationId xmlns:a16="http://schemas.microsoft.com/office/drawing/2014/main" id="{E42801C5-742B-6C40-87F1-4A9C99C19E84}"/>
+          <p:cNvPr id="146" name="Connector: Elbow 145">
+            <a:extLst>
+              <a:ext uri="{FF2B5EF4-FFF2-40B4-BE49-F238E27FC236}">
+                <a16:creationId xmlns:a16="http://schemas.microsoft.com/office/drawing/2014/main" id="{E49FA3F9-EAF6-B044-FA04-A9DF726E25FA}"/>
               </a:ext>
             </a:extLst>
           </p:cNvPr>
           <p:cNvCxnSpPr>
-            <a:stCxn id="21" idx="2"/>
-            <a:endCxn id="66" idx="0"/>
+            <a:cxnSpLocks/>
+            <a:stCxn id="60" idx="2"/>
+            <a:endCxn id="46" idx="0"/>
           </p:cNvCxnSpPr>
           <p:nvPr/>
         </p:nvCxnSpPr>
         <p:spPr>
-          <a:xfrm rot="16200000" flipH="1">
-            <a:off x="5788892" y="4424276"/>
-            <a:ext cx="516588" cy="1974059"/>
+          <a:xfrm rot="5400000">
+            <a:off x="5783542" y="1075547"/>
+            <a:ext cx="576952" cy="6004784"/>
           </a:xfrm>
           <a:prstGeom prst="bentConnector3">
-            <a:avLst/>
+            <a:avLst>
+              <a:gd name="adj1" fmla="val 50000"/>
+            </a:avLst>
           </a:prstGeom>
           <a:ln>
+            <a:solidFill>
+              <a:srgbClr val="FF0000"/>
+            </a:solidFill>
             <a:tailEnd type="triangle"/>
           </a:ln>
         </p:spPr>
@@ -5446,27 +5579,31 @@
       </p:cxnSp>
       <p:cxnSp>
         <p:nvCxnSpPr>
-          <p:cNvPr id="93" name="Connector: Elbow 92">
-            <a:extLst>
-              <a:ext uri="{FF2B5EF4-FFF2-40B4-BE49-F238E27FC236}">
-                <a16:creationId xmlns:a16="http://schemas.microsoft.com/office/drawing/2014/main" id="{8EFBA5D2-0A72-3DB3-E7BD-8AB903C466AD}"/>
+          <p:cNvPr id="150" name="Connector: Elbow 149">
+            <a:extLst>
+              <a:ext uri="{FF2B5EF4-FFF2-40B4-BE49-F238E27FC236}">
+                <a16:creationId xmlns:a16="http://schemas.microsoft.com/office/drawing/2014/main" id="{6B2B213D-88FE-533C-9078-1EB9C40326AA}"/>
               </a:ext>
             </a:extLst>
           </p:cNvPr>
           <p:cNvCxnSpPr>
-            <a:cxnSpLocks/>
+            <a:stCxn id="46" idx="2"/>
+            <a:endCxn id="70" idx="0"/>
           </p:cNvCxnSpPr>
           <p:nvPr/>
         </p:nvCxnSpPr>
         <p:spPr>
           <a:xfrm rot="16200000" flipH="1">
-            <a:off x="6944746" y="904662"/>
-            <a:ext cx="555701" cy="4019952"/>
+            <a:off x="4773151" y="3309221"/>
+            <a:ext cx="570198" cy="3977248"/>
           </a:xfrm>
           <a:prstGeom prst="bentConnector3">
             <a:avLst/>
           </a:prstGeom>
           <a:ln>
+            <a:solidFill>
+              <a:srgbClr val="FF0000"/>
+            </a:solidFill>
             <a:tailEnd type="triangle"/>
           </a:ln>
         </p:spPr>
@@ -5487,22 +5624,24 @@
       </p:cxnSp>
       <p:cxnSp>
         <p:nvCxnSpPr>
-          <p:cNvPr id="98" name="Connector: Elbow 97">
-            <a:extLst>
-              <a:ext uri="{FF2B5EF4-FFF2-40B4-BE49-F238E27FC236}">
-                <a16:creationId xmlns:a16="http://schemas.microsoft.com/office/drawing/2014/main" id="{BAB6B4AF-8FA5-9490-02C8-19CF0DDAD06B}"/>
+          <p:cNvPr id="151" name="Connector: Elbow 150">
+            <a:extLst>
+              <a:ext uri="{FF2B5EF4-FFF2-40B4-BE49-F238E27FC236}">
+                <a16:creationId xmlns:a16="http://schemas.microsoft.com/office/drawing/2014/main" id="{58735BCD-08D8-1131-AFE5-A6DD03F0E2D6}"/>
               </a:ext>
             </a:extLst>
           </p:cNvPr>
           <p:cNvCxnSpPr>
             <a:cxnSpLocks/>
+            <a:stCxn id="45" idx="2"/>
+            <a:endCxn id="70" idx="0"/>
           </p:cNvCxnSpPr>
           <p:nvPr/>
         </p:nvCxnSpPr>
         <p:spPr>
           <a:xfrm rot="16200000" flipH="1">
-            <a:off x="5947412" y="1149253"/>
-            <a:ext cx="540734" cy="6010547"/>
+            <a:off x="5753435" y="4289504"/>
+            <a:ext cx="570197" cy="2016682"/>
           </a:xfrm>
           <a:prstGeom prst="bentConnector3">
             <a:avLst>
@@ -5510,6 +5649,9 @@
             </a:avLst>
           </a:prstGeom>
           <a:ln>
+            <a:solidFill>
+              <a:srgbClr val="FF0000"/>
+            </a:solidFill>
             <a:tailEnd type="triangle"/>
           </a:ln>
         </p:spPr>
@@ -5530,10 +5672,98 @@
       </p:cxnSp>
       <p:cxnSp>
         <p:nvCxnSpPr>
-          <p:cNvPr id="101" name="Connector: Elbow 100">
-            <a:extLst>
-              <a:ext uri="{FF2B5EF4-FFF2-40B4-BE49-F238E27FC236}">
-                <a16:creationId xmlns:a16="http://schemas.microsoft.com/office/drawing/2014/main" id="{9F07D609-53FC-7187-B145-BBD7C0B99F94}"/>
+          <p:cNvPr id="154" name="Connector: Elbow 153">
+            <a:extLst>
+              <a:ext uri="{FF2B5EF4-FFF2-40B4-BE49-F238E27FC236}">
+                <a16:creationId xmlns:a16="http://schemas.microsoft.com/office/drawing/2014/main" id="{8C14E1F3-54B6-0998-F45B-3CD329F5D317}"/>
+              </a:ext>
+            </a:extLst>
+          </p:cNvPr>
+          <p:cNvCxnSpPr>
+            <a:cxnSpLocks/>
+            <a:stCxn id="63" idx="2"/>
+            <a:endCxn id="70" idx="0"/>
+          </p:cNvCxnSpPr>
+          <p:nvPr/>
+        </p:nvCxnSpPr>
+        <p:spPr>
+          <a:xfrm rot="5400000">
+            <a:off x="7795546" y="4281589"/>
+            <a:ext cx="552684" cy="2050027"/>
+          </a:xfrm>
+          <a:prstGeom prst="bentConnector3">
+            <a:avLst/>
+          </a:prstGeom>
+          <a:ln>
+            <a:solidFill>
+              <a:srgbClr val="FF0000"/>
+            </a:solidFill>
+            <a:tailEnd type="triangle"/>
+          </a:ln>
+        </p:spPr>
+        <p:style>
+          <a:lnRef idx="2">
+            <a:schemeClr val="accent1"/>
+          </a:lnRef>
+          <a:fillRef idx="0">
+            <a:schemeClr val="accent1"/>
+          </a:fillRef>
+          <a:effectRef idx="1">
+            <a:schemeClr val="accent1"/>
+          </a:effectRef>
+          <a:fontRef idx="minor">
+            <a:schemeClr val="tx1"/>
+          </a:fontRef>
+        </p:style>
+      </p:cxnSp>
+      <p:cxnSp>
+        <p:nvCxnSpPr>
+          <p:cNvPr id="163" name="Straight Arrow Connector 162">
+            <a:extLst>
+              <a:ext uri="{FF2B5EF4-FFF2-40B4-BE49-F238E27FC236}">
+                <a16:creationId xmlns:a16="http://schemas.microsoft.com/office/drawing/2014/main" id="{74B2DDB6-DCEA-66AA-6232-D0C305553665}"/>
+              </a:ext>
+            </a:extLst>
+          </p:cNvPr>
+          <p:cNvCxnSpPr>
+            <a:stCxn id="29" idx="2"/>
+            <a:endCxn id="60" idx="0"/>
+          </p:cNvCxnSpPr>
+          <p:nvPr/>
+        </p:nvCxnSpPr>
+        <p:spPr>
+          <a:xfrm>
+            <a:off x="5029595" y="2532916"/>
+            <a:ext cx="4044815" cy="610216"/>
+          </a:xfrm>
+          <a:prstGeom prst="straightConnector1">
+            <a:avLst/>
+          </a:prstGeom>
+          <a:ln>
+            <a:tailEnd type="triangle"/>
+          </a:ln>
+        </p:spPr>
+        <p:style>
+          <a:lnRef idx="2">
+            <a:schemeClr val="accent1"/>
+          </a:lnRef>
+          <a:fillRef idx="0">
+            <a:schemeClr val="accent1"/>
+          </a:fillRef>
+          <a:effectRef idx="1">
+            <a:schemeClr val="accent1"/>
+          </a:effectRef>
+          <a:fontRef idx="minor">
+            <a:schemeClr val="tx1"/>
+          </a:fontRef>
+        </p:style>
+      </p:cxnSp>
+      <p:cxnSp>
+        <p:nvCxnSpPr>
+          <p:cNvPr id="164" name="Straight Arrow Connector 163">
+            <a:extLst>
+              <a:ext uri="{FF2B5EF4-FFF2-40B4-BE49-F238E27FC236}">
+                <a16:creationId xmlns:a16="http://schemas.microsoft.com/office/drawing/2014/main" id="{1DD501D5-C147-A0CE-C7A9-DA542D6B5E7C}"/>
               </a:ext>
             </a:extLst>
           </p:cNvPr>
@@ -5543,14 +5773,278 @@
           <p:nvPr/>
         </p:nvCxnSpPr>
         <p:spPr>
-          <a:xfrm rot="16200000" flipH="1">
-            <a:off x="7932454" y="4393187"/>
-            <a:ext cx="601443" cy="2036237"/>
-          </a:xfrm>
-          <a:prstGeom prst="bentConnector3">
+          <a:xfrm>
+            <a:off x="7021479" y="1283564"/>
+            <a:ext cx="1982429" cy="601771"/>
+          </a:xfrm>
+          <a:prstGeom prst="straightConnector1">
             <a:avLst/>
           </a:prstGeom>
           <a:ln>
+            <a:tailEnd type="triangle"/>
+          </a:ln>
+        </p:spPr>
+        <p:style>
+          <a:lnRef idx="2">
+            <a:schemeClr val="accent1"/>
+          </a:lnRef>
+          <a:fillRef idx="0">
+            <a:schemeClr val="accent1"/>
+          </a:fillRef>
+          <a:effectRef idx="1">
+            <a:schemeClr val="accent1"/>
+          </a:effectRef>
+          <a:fontRef idx="minor">
+            <a:schemeClr val="tx1"/>
+          </a:fontRef>
+        </p:style>
+      </p:cxnSp>
+      <p:cxnSp>
+        <p:nvCxnSpPr>
+          <p:cNvPr id="166" name="Straight Arrow Connector 165">
+            <a:extLst>
+              <a:ext uri="{FF2B5EF4-FFF2-40B4-BE49-F238E27FC236}">
+                <a16:creationId xmlns:a16="http://schemas.microsoft.com/office/drawing/2014/main" id="{7A091388-1268-510B-9095-73CF68C75C5A}"/>
+              </a:ext>
+            </a:extLst>
+          </p:cNvPr>
+          <p:cNvCxnSpPr>
+            <a:cxnSpLocks/>
+            <a:endCxn id="63" idx="0"/>
+          </p:cNvCxnSpPr>
+          <p:nvPr/>
+        </p:nvCxnSpPr>
+        <p:spPr>
+          <a:xfrm>
+            <a:off x="3056732" y="3765715"/>
+            <a:ext cx="6040169" cy="618214"/>
+          </a:xfrm>
+          <a:prstGeom prst="straightConnector1">
+            <a:avLst/>
+          </a:prstGeom>
+          <a:ln>
+            <a:tailEnd type="triangle"/>
+          </a:ln>
+        </p:spPr>
+        <p:style>
+          <a:lnRef idx="2">
+            <a:schemeClr val="accent1"/>
+          </a:lnRef>
+          <a:fillRef idx="0">
+            <a:schemeClr val="accent1"/>
+          </a:fillRef>
+          <a:effectRef idx="1">
+            <a:schemeClr val="accent1"/>
+          </a:effectRef>
+          <a:fontRef idx="minor">
+            <a:schemeClr val="tx1"/>
+          </a:fontRef>
+        </p:style>
+      </p:cxnSp>
+      <p:cxnSp>
+        <p:nvCxnSpPr>
+          <p:cNvPr id="168" name="Straight Arrow Connector 167">
+            <a:extLst>
+              <a:ext uri="{FF2B5EF4-FFF2-40B4-BE49-F238E27FC236}">
+                <a16:creationId xmlns:a16="http://schemas.microsoft.com/office/drawing/2014/main" id="{42246F88-3CCE-B693-74A8-8DD53F727124}"/>
+              </a:ext>
+            </a:extLst>
+          </p:cNvPr>
+          <p:cNvCxnSpPr>
+            <a:cxnSpLocks/>
+            <a:endCxn id="71" idx="0"/>
+          </p:cNvCxnSpPr>
+          <p:nvPr/>
+        </p:nvCxnSpPr>
+        <p:spPr>
+          <a:xfrm>
+            <a:off x="7009678" y="5038725"/>
+            <a:ext cx="2064732" cy="539149"/>
+          </a:xfrm>
+          <a:prstGeom prst="straightConnector1">
+            <a:avLst/>
+          </a:prstGeom>
+          <a:ln>
+            <a:tailEnd type="triangle"/>
+          </a:ln>
+        </p:spPr>
+        <p:style>
+          <a:lnRef idx="2">
+            <a:schemeClr val="accent1"/>
+          </a:lnRef>
+          <a:fillRef idx="0">
+            <a:schemeClr val="accent1"/>
+          </a:fillRef>
+          <a:effectRef idx="1">
+            <a:schemeClr val="accent1"/>
+          </a:effectRef>
+          <a:fontRef idx="minor">
+            <a:schemeClr val="tx1"/>
+          </a:fontRef>
+        </p:style>
+      </p:cxnSp>
+      <p:cxnSp>
+        <p:nvCxnSpPr>
+          <p:cNvPr id="171" name="Straight Arrow Connector 170">
+            <a:extLst>
+              <a:ext uri="{FF2B5EF4-FFF2-40B4-BE49-F238E27FC236}">
+                <a16:creationId xmlns:a16="http://schemas.microsoft.com/office/drawing/2014/main" id="{0A1E907A-D428-80C9-E9A3-B85FB259D12D}"/>
+              </a:ext>
+            </a:extLst>
+          </p:cNvPr>
+          <p:cNvCxnSpPr>
+            <a:stCxn id="30" idx="2"/>
+            <a:endCxn id="31" idx="0"/>
+          </p:cNvCxnSpPr>
+          <p:nvPr/>
+        </p:nvCxnSpPr>
+        <p:spPr>
+          <a:xfrm flipH="1">
+            <a:off x="7062626" y="1296868"/>
+            <a:ext cx="2321" cy="564539"/>
+          </a:xfrm>
+          <a:prstGeom prst="straightConnector1">
+            <a:avLst/>
+          </a:prstGeom>
+          <a:ln>
+            <a:solidFill>
+              <a:srgbClr val="FF0000"/>
+            </a:solidFill>
+            <a:tailEnd type="triangle"/>
+          </a:ln>
+        </p:spPr>
+        <p:style>
+          <a:lnRef idx="2">
+            <a:schemeClr val="accent1"/>
+          </a:lnRef>
+          <a:fillRef idx="0">
+            <a:schemeClr val="accent1"/>
+          </a:fillRef>
+          <a:effectRef idx="1">
+            <a:schemeClr val="accent1"/>
+          </a:effectRef>
+          <a:fontRef idx="minor">
+            <a:schemeClr val="tx1"/>
+          </a:fontRef>
+        </p:style>
+      </p:cxnSp>
+      <p:cxnSp>
+        <p:nvCxnSpPr>
+          <p:cNvPr id="173" name="Straight Arrow Connector 172">
+            <a:extLst>
+              <a:ext uri="{FF2B5EF4-FFF2-40B4-BE49-F238E27FC236}">
+                <a16:creationId xmlns:a16="http://schemas.microsoft.com/office/drawing/2014/main" id="{C0469216-FE2E-9FE9-E9CC-FA14D92BAA3F}"/>
+              </a:ext>
+            </a:extLst>
+          </p:cNvPr>
+          <p:cNvCxnSpPr>
+            <a:stCxn id="29" idx="2"/>
+            <a:endCxn id="44" idx="0"/>
+          </p:cNvCxnSpPr>
+          <p:nvPr/>
+        </p:nvCxnSpPr>
+        <p:spPr>
+          <a:xfrm>
+            <a:off x="5029595" y="2532916"/>
+            <a:ext cx="7617" cy="607218"/>
+          </a:xfrm>
+          <a:prstGeom prst="straightConnector1">
+            <a:avLst/>
+          </a:prstGeom>
+          <a:ln>
+            <a:solidFill>
+              <a:srgbClr val="FF0000"/>
+            </a:solidFill>
+            <a:tailEnd type="triangle"/>
+          </a:ln>
+        </p:spPr>
+        <p:style>
+          <a:lnRef idx="2">
+            <a:schemeClr val="accent1"/>
+          </a:lnRef>
+          <a:fillRef idx="0">
+            <a:schemeClr val="accent1"/>
+          </a:fillRef>
+          <a:effectRef idx="1">
+            <a:schemeClr val="accent1"/>
+          </a:effectRef>
+          <a:fontRef idx="minor">
+            <a:schemeClr val="tx1"/>
+          </a:fontRef>
+        </p:style>
+      </p:cxnSp>
+      <p:cxnSp>
+        <p:nvCxnSpPr>
+          <p:cNvPr id="175" name="Straight Arrow Connector 174">
+            <a:extLst>
+              <a:ext uri="{FF2B5EF4-FFF2-40B4-BE49-F238E27FC236}">
+                <a16:creationId xmlns:a16="http://schemas.microsoft.com/office/drawing/2014/main" id="{A0A53550-4425-98D0-1654-CC9C0564EC97}"/>
+              </a:ext>
+            </a:extLst>
+          </p:cNvPr>
+          <p:cNvCxnSpPr>
+            <a:stCxn id="26" idx="2"/>
+            <a:endCxn id="46" idx="0"/>
+          </p:cNvCxnSpPr>
+          <p:nvPr/>
+        </p:nvCxnSpPr>
+        <p:spPr>
+          <a:xfrm flipH="1">
+            <a:off x="3069626" y="3778610"/>
+            <a:ext cx="8665" cy="587805"/>
+          </a:xfrm>
+          <a:prstGeom prst="straightConnector1">
+            <a:avLst/>
+          </a:prstGeom>
+          <a:ln>
+            <a:solidFill>
+              <a:srgbClr val="FF0000"/>
+            </a:solidFill>
+            <a:tailEnd type="triangle"/>
+          </a:ln>
+        </p:spPr>
+        <p:style>
+          <a:lnRef idx="2">
+            <a:schemeClr val="accent1"/>
+          </a:lnRef>
+          <a:fillRef idx="0">
+            <a:schemeClr val="accent1"/>
+          </a:fillRef>
+          <a:effectRef idx="1">
+            <a:schemeClr val="accent1"/>
+          </a:effectRef>
+          <a:fontRef idx="minor">
+            <a:schemeClr val="tx1"/>
+          </a:fontRef>
+        </p:style>
+      </p:cxnSp>
+      <p:cxnSp>
+        <p:nvCxnSpPr>
+          <p:cNvPr id="177" name="Straight Arrow Connector 176">
+            <a:extLst>
+              <a:ext uri="{FF2B5EF4-FFF2-40B4-BE49-F238E27FC236}">
+                <a16:creationId xmlns:a16="http://schemas.microsoft.com/office/drawing/2014/main" id="{8DCABC4E-C012-36FA-6FA0-21092D8CDDB2}"/>
+              </a:ext>
+            </a:extLst>
+          </p:cNvPr>
+          <p:cNvCxnSpPr>
+            <a:stCxn id="48" idx="2"/>
+            <a:endCxn id="70" idx="0"/>
+          </p:cNvCxnSpPr>
+          <p:nvPr/>
+        </p:nvCxnSpPr>
+        <p:spPr>
+          <a:xfrm>
+            <a:off x="7043266" y="5030260"/>
+            <a:ext cx="3608" cy="552684"/>
+          </a:xfrm>
+          <a:prstGeom prst="straightConnector1">
+            <a:avLst/>
+          </a:prstGeom>
+          <a:ln>
+            <a:solidFill>
+              <a:srgbClr val="FF0000"/>
+            </a:solidFill>
             <a:tailEnd type="triangle"/>
           </a:ln>
         </p:spPr>
